--- a/Document/AzureUsageCost.pptx
+++ b/Document/AzureUsageCost.pptx
@@ -10,6 +10,7 @@
     <p:sldId id="258" r:id="rId4"/>
     <p:sldId id="259" r:id="rId5"/>
     <p:sldId id="257" r:id="rId6"/>
+    <p:sldId id="261" r:id="rId7"/>
   </p:sldIdLst>
   <p:sldSz cx="12192000" cy="6858000"/>
   <p:notesSz cx="6858000" cy="9144000"/>
@@ -6030,6 +6031,244 @@
 </p:sld>
 </file>
 
+<file path=ppt/slides/slide6.xml><?xml version="1.0" encoding="utf-8"?>
+<p:sld xmlns:a="http://schemas.openxmlformats.org/drawingml/2006/main" xmlns:r="http://schemas.openxmlformats.org/officeDocument/2006/relationships" xmlns:p="http://schemas.openxmlformats.org/presentationml/2006/main">
+  <p:cSld>
+    <p:spTree>
+      <p:nvGrpSpPr>
+        <p:cNvPr id="1" name=""/>
+        <p:cNvGrpSpPr/>
+        <p:nvPr/>
+      </p:nvGrpSpPr>
+      <p:grpSpPr>
+        <a:xfrm>
+          <a:off x="0" y="0"/>
+          <a:ext cx="0" cy="0"/>
+          <a:chOff x="0" y="0"/>
+          <a:chExt cx="0" cy="0"/>
+        </a:xfrm>
+      </p:grpSpPr>
+      <p:cxnSp>
+        <p:nvCxnSpPr>
+          <p:cNvPr id="5" name="Straight Connector 4">
+            <a:extLst>
+              <a:ext uri="{FF2B5EF4-FFF2-40B4-BE49-F238E27FC236}">
+                <a16:creationId xmlns:a16="http://schemas.microsoft.com/office/drawing/2014/main" id="{D4D7641A-5BDB-4D0C-AF80-E95D68D1268B}"/>
+              </a:ext>
+            </a:extLst>
+          </p:cNvPr>
+          <p:cNvCxnSpPr/>
+          <p:nvPr/>
+        </p:nvCxnSpPr>
+        <p:spPr>
+          <a:xfrm>
+            <a:off x="251460" y="925830"/>
+            <a:ext cx="11349990" cy="0"/>
+          </a:xfrm>
+          <a:prstGeom prst="line">
+            <a:avLst/>
+          </a:prstGeom>
+          <a:ln w="19050">
+            <a:solidFill>
+              <a:schemeClr val="accent2"/>
+            </a:solidFill>
+          </a:ln>
+        </p:spPr>
+        <p:style>
+          <a:lnRef idx="1">
+            <a:schemeClr val="accent1"/>
+          </a:lnRef>
+          <a:fillRef idx="0">
+            <a:schemeClr val="accent1"/>
+          </a:fillRef>
+          <a:effectRef idx="0">
+            <a:schemeClr val="accent1"/>
+          </a:effectRef>
+          <a:fontRef idx="minor">
+            <a:schemeClr val="tx1"/>
+          </a:fontRef>
+        </p:style>
+      </p:cxnSp>
+      <p:sp>
+        <p:nvSpPr>
+          <p:cNvPr id="6" name="TextBox 5">
+            <a:extLst>
+              <a:ext uri="{FF2B5EF4-FFF2-40B4-BE49-F238E27FC236}">
+                <a16:creationId xmlns:a16="http://schemas.microsoft.com/office/drawing/2014/main" id="{0E2716FF-2776-40F5-A54E-913A6B95EF43}"/>
+              </a:ext>
+            </a:extLst>
+          </p:cNvPr>
+          <p:cNvSpPr txBox="1"/>
+          <p:nvPr/>
+        </p:nvSpPr>
+        <p:spPr>
+          <a:xfrm>
+            <a:off x="251460" y="491488"/>
+            <a:ext cx="4880610" cy="461665"/>
+          </a:xfrm>
+          <a:prstGeom prst="rect">
+            <a:avLst/>
+          </a:prstGeom>
+          <a:noFill/>
+        </p:spPr>
+        <p:txBody>
+          <a:bodyPr wrap="square" rtlCol="0">
+            <a:spAutoFit/>
+          </a:bodyPr>
+          <a:lstStyle/>
+          <a:p>
+            <a:r>
+              <a:rPr lang="en-IN" sz="2400" dirty="0"/>
+              <a:t>Steps to do</a:t>
+            </a:r>
+            <a:endParaRPr lang="en-IN" sz="2000" dirty="0"/>
+          </a:p>
+        </p:txBody>
+      </p:sp>
+      <p:sp>
+        <p:nvSpPr>
+          <p:cNvPr id="2" name="TextBox 1">
+            <a:extLst>
+              <a:ext uri="{FF2B5EF4-FFF2-40B4-BE49-F238E27FC236}">
+                <a16:creationId xmlns:a16="http://schemas.microsoft.com/office/drawing/2014/main" id="{86CEE1F0-F499-4CA1-964D-60D7609F0CFA}"/>
+              </a:ext>
+            </a:extLst>
+          </p:cNvPr>
+          <p:cNvSpPr txBox="1"/>
+          <p:nvPr/>
+        </p:nvSpPr>
+        <p:spPr>
+          <a:xfrm>
+            <a:off x="525780" y="1178626"/>
+            <a:ext cx="9715500" cy="2308324"/>
+          </a:xfrm>
+          <a:prstGeom prst="rect">
+            <a:avLst/>
+          </a:prstGeom>
+          <a:noFill/>
+        </p:spPr>
+        <p:txBody>
+          <a:bodyPr wrap="square" rtlCol="0">
+            <a:spAutoFit/>
+          </a:bodyPr>
+          <a:lstStyle/>
+          <a:p>
+            <a:pPr marL="342900" indent="-342900">
+              <a:buAutoNum type="arabicPeriod"/>
+            </a:pPr>
+            <a:r>
+              <a:rPr lang="en-IN" sz="1600" dirty="0"/>
+              <a:t>Create the azure services like storage gen2, </a:t>
+            </a:r>
+            <a:r>
+              <a:rPr lang="en-IN" sz="1600" dirty="0" err="1"/>
+              <a:t>sql</a:t>
+            </a:r>
+            <a:r>
+              <a:rPr lang="en-IN" sz="1600" dirty="0"/>
+              <a:t> server, function (timer trigger), app configuration</a:t>
+            </a:r>
+          </a:p>
+          <a:p>
+            <a:pPr marL="342900" indent="-342900">
+              <a:buAutoNum type="arabicPeriod"/>
+            </a:pPr>
+            <a:r>
+              <a:rPr lang="en-IN" sz="1600" dirty="0"/>
+              <a:t>Follow the steps mentioned in slides 3 and 4 to export the cost data</a:t>
+            </a:r>
+          </a:p>
+          <a:p>
+            <a:pPr marL="342900" indent="-342900">
+              <a:buAutoNum type="arabicPeriod"/>
+            </a:pPr>
+            <a:r>
+              <a:rPr lang="en-IN" sz="1600" dirty="0"/>
+              <a:t>Run the export and verify the cost data (in csv format) available in the defined storage location</a:t>
+            </a:r>
+          </a:p>
+          <a:p>
+            <a:pPr marL="342900" indent="-342900">
+              <a:buAutoNum type="arabicPeriod"/>
+            </a:pPr>
+            <a:r>
+              <a:rPr lang="en-IN" sz="1600" dirty="0"/>
+              <a:t>Create the table (</a:t>
+            </a:r>
+            <a:r>
+              <a:rPr lang="en-IN" sz="1600" dirty="0" err="1"/>
+              <a:t>db</a:t>
+            </a:r>
+            <a:r>
+              <a:rPr lang="en-IN" sz="1600" dirty="0"/>
+              <a:t> schema attached in the repo) to store the cost details</a:t>
+            </a:r>
+          </a:p>
+          <a:p>
+            <a:pPr marL="342900" indent="-342900">
+              <a:buAutoNum type="arabicPeriod"/>
+            </a:pPr>
+            <a:r>
+              <a:rPr lang="en-IN" sz="1600" dirty="0"/>
+              <a:t>Add the configuration name and values in the app configuration</a:t>
+            </a:r>
+          </a:p>
+          <a:p>
+            <a:pPr marL="342900" indent="-342900">
+              <a:buAutoNum type="arabicPeriod"/>
+            </a:pPr>
+            <a:r>
+              <a:rPr lang="en-IN" sz="1600" dirty="0"/>
+              <a:t>Open the source doe and update the app configuration details</a:t>
+            </a:r>
+          </a:p>
+          <a:p>
+            <a:pPr marL="342900" indent="-342900">
+              <a:buAutoNum type="arabicPeriod"/>
+            </a:pPr>
+            <a:r>
+              <a:rPr lang="en-IN" sz="1600" dirty="0"/>
+              <a:t>Build and deploy the solution to the azure function</a:t>
+            </a:r>
+          </a:p>
+          <a:p>
+            <a:pPr marL="342900" indent="-342900">
+              <a:buAutoNum type="arabicPeriod"/>
+            </a:pPr>
+            <a:r>
+              <a:rPr lang="en-IN" sz="1600" dirty="0"/>
+              <a:t>Open the power bi report to connect the appropriate azure </a:t>
+            </a:r>
+            <a:r>
+              <a:rPr lang="en-IN" sz="1600" dirty="0" err="1"/>
+              <a:t>sql</a:t>
+            </a:r>
+            <a:r>
+              <a:rPr lang="en-IN" sz="1600" dirty="0"/>
+              <a:t> server (database and table name)</a:t>
+            </a:r>
+          </a:p>
+          <a:p>
+            <a:pPr marL="342900" indent="-342900">
+              <a:buAutoNum type="arabicPeriod"/>
+            </a:pPr>
+            <a:endParaRPr lang="en-IN" sz="1600" dirty="0"/>
+          </a:p>
+        </p:txBody>
+      </p:sp>
+    </p:spTree>
+    <p:extLst>
+      <p:ext uri="{BB962C8B-B14F-4D97-AF65-F5344CB8AC3E}">
+        <p14:creationId xmlns:p14="http://schemas.microsoft.com/office/powerpoint/2010/main" val="4003949054"/>
+      </p:ext>
+    </p:extLst>
+  </p:cSld>
+  <p:clrMapOvr>
+    <a:masterClrMapping/>
+  </p:clrMapOvr>
+</p:sld>
+</file>
+
 <file path=ppt/theme/theme1.xml><?xml version="1.0" encoding="utf-8"?>
 <a:theme xmlns:a="http://schemas.openxmlformats.org/drawingml/2006/main" name="Office Theme">
   <a:themeElements>
